--- a/PPT/第三部分 软件测试应用/11.4 测试计划.pptx
+++ b/PPT/第三部分 软件测试应用/11.4 测试计划.pptx
@@ -7308,9 +7308,6 @@
               </a:rPr>
               <a:t>列出哪些功能不测试，以及不测试的原因</a:t>
             </a:r>
-            <a:endParaRPr lang="zh-CN" altLang="en-US" sz="3400" b="1" dirty="0">
-              <a:latin typeface="+mn-lt"/>
-            </a:endParaRPr>
           </a:p>
         </p:txBody>
       </p:sp>
@@ -7343,10 +7340,6 @@
               </a:rPr>
               <a:t>测试计划</a:t>
             </a:r>
-            <a:endParaRPr lang="zh-CN" altLang="en-US" b="1" dirty="0">
-              <a:latin typeface="黑体" pitchFamily="49" charset="-122"/>
-              <a:ea typeface="黑体" pitchFamily="49" charset="-122"/>
-            </a:endParaRPr>
           </a:p>
         </p:txBody>
       </p:sp>
@@ -7443,9 +7436,6 @@
               </a:rPr>
               <a:t>写出测试策略和将要使用的工具以及收集的信息</a:t>
             </a:r>
-            <a:endParaRPr lang="zh-CN" altLang="en-US" sz="3400" b="1" dirty="0">
-              <a:latin typeface="+mn-lt"/>
-            </a:endParaRPr>
           </a:p>
         </p:txBody>
       </p:sp>
@@ -7478,10 +7468,6 @@
               </a:rPr>
               <a:t>测试计划</a:t>
             </a:r>
-            <a:endParaRPr lang="zh-CN" altLang="en-US" b="1" dirty="0">
-              <a:latin typeface="黑体" pitchFamily="49" charset="-122"/>
-              <a:ea typeface="黑体" pitchFamily="49" charset="-122"/>
-            </a:endParaRPr>
           </a:p>
         </p:txBody>
       </p:sp>
@@ -7578,9 +7564,6 @@
               </a:rPr>
               <a:t>制定通过或失败的标准</a:t>
             </a:r>
-            <a:endParaRPr lang="zh-CN" altLang="en-US" sz="3400" b="1" dirty="0">
-              <a:latin typeface="+mn-lt"/>
-            </a:endParaRPr>
           </a:p>
         </p:txBody>
       </p:sp>
@@ -7608,10 +7591,6 @@
               </a:rPr>
               <a:t>测试计划</a:t>
             </a:r>
-            <a:endParaRPr lang="zh-CN" altLang="en-US" b="1" dirty="0">
-              <a:latin typeface="黑体" pitchFamily="49" charset="-122"/>
-              <a:ea typeface="黑体" pitchFamily="49" charset="-122"/>
-            </a:endParaRPr>
           </a:p>
         </p:txBody>
       </p:sp>
@@ -7708,9 +7687,6 @@
               </a:rPr>
               <a:t>列出在测试期间将产生的文件清单</a:t>
             </a:r>
-            <a:endParaRPr lang="zh-CN" altLang="en-US" sz="3400" b="1" dirty="0">
-              <a:latin typeface="+mn-lt"/>
-            </a:endParaRPr>
           </a:p>
         </p:txBody>
       </p:sp>
@@ -7767,10 +7743,6 @@
               </a:rPr>
               <a:t>测试计划</a:t>
             </a:r>
-            <a:endParaRPr lang="zh-CN" altLang="en-US" b="1" dirty="0">
-              <a:latin typeface="黑体" pitchFamily="49" charset="-122"/>
-              <a:ea typeface="黑体" pitchFamily="49" charset="-122"/>
-            </a:endParaRPr>
           </a:p>
         </p:txBody>
       </p:sp>
@@ -7852,7 +7824,11 @@
           <a:bodyPr/>
           <a:lstStyle/>
           <a:p>
-            <a:endParaRPr lang="zh-CN" altLang="en-US" smtClean="0"/>
+            <a:r>
+              <a:rPr lang="zh-CN" altLang="en-US" smtClean="0"/>
+              <a:t>在实际项目，测试计划和测试总结报告可以是裁剪的</a:t>
+            </a:r>
+            <a:endParaRPr lang="zh-CN" altLang="en-US" dirty="0" smtClean="0"/>
           </a:p>
         </p:txBody>
       </p:sp>
@@ -8218,10 +8194,6 @@
               </a:rPr>
               <a:t>测试计划</a:t>
             </a:r>
-            <a:endParaRPr lang="zh-CN" altLang="en-US" b="1" dirty="0" smtClean="0">
-              <a:latin typeface="黑体" pitchFamily="49" charset="-122"/>
-              <a:ea typeface="黑体" pitchFamily="49" charset="-122"/>
-            </a:endParaRPr>
           </a:p>
         </p:txBody>
       </p:sp>
@@ -8374,9 +8346,6 @@
               </a:rPr>
               <a:t>了解任务大致分配</a:t>
             </a:r>
-            <a:endParaRPr lang="zh-CN" altLang="en-US" sz="3200" b="1" dirty="0">
-              <a:latin typeface="+mn-lt"/>
-            </a:endParaRPr>
           </a:p>
         </p:txBody>
       </p:sp>
@@ -8405,10 +8374,6 @@
               </a:rPr>
               <a:t>测试计划</a:t>
             </a:r>
-            <a:endParaRPr lang="zh-CN" altLang="en-US" b="1" dirty="0">
-              <a:latin typeface="黑体" pitchFamily="49" charset="-122"/>
-              <a:ea typeface="黑体" pitchFamily="49" charset="-122"/>
-            </a:endParaRPr>
           </a:p>
         </p:txBody>
       </p:sp>
@@ -8529,21 +8494,7 @@
                 <a:latin typeface="+mn-lt"/>
                 <a:ea typeface="+mn-ea"/>
               </a:rPr>
-              <a:t>(</a:t>
-            </a:r>
-            <a:r>
-              <a:rPr lang="en-US" altLang="zh-CN" sz="3400" b="1" dirty="0">
-                <a:latin typeface="+mn-lt"/>
-                <a:ea typeface="+mn-ea"/>
-              </a:rPr>
-              <a:t>IEEE 829 </a:t>
-            </a:r>
-            <a:r>
-              <a:rPr lang="en-US" altLang="zh-CN" sz="3400" b="1" dirty="0">
-                <a:latin typeface="+mn-lt"/>
-                <a:ea typeface="+mn-ea"/>
-              </a:rPr>
-              <a:t>Format)</a:t>
+              <a:t>(IEEE 829 Format)</a:t>
             </a:r>
           </a:p>
           <a:p>
@@ -9168,10 +9119,6 @@
               </a:rPr>
               <a:t>测试计划</a:t>
             </a:r>
-            <a:endParaRPr lang="zh-CN" altLang="en-US" b="1" dirty="0">
-              <a:latin typeface="黑体" pitchFamily="49" charset="-122"/>
-              <a:ea typeface="黑体" pitchFamily="49" charset="-122"/>
-            </a:endParaRPr>
           </a:p>
         </p:txBody>
       </p:sp>
@@ -9477,9 +9424,6 @@
               </a:rPr>
               <a:t>书写说明（包含简单的摘要、目标、范围、时间表等）</a:t>
             </a:r>
-            <a:endParaRPr lang="zh-CN" altLang="en-US" sz="3400" b="1" dirty="0">
-              <a:latin typeface="+mn-lt"/>
-            </a:endParaRPr>
           </a:p>
         </p:txBody>
       </p:sp>
@@ -9507,10 +9451,6 @@
               </a:rPr>
               <a:t>测试计划</a:t>
             </a:r>
-            <a:endParaRPr lang="zh-CN" altLang="en-US" b="1" dirty="0">
-              <a:latin typeface="黑体" pitchFamily="49" charset="-122"/>
-              <a:ea typeface="黑体" pitchFamily="49" charset="-122"/>
-            </a:endParaRPr>
           </a:p>
         </p:txBody>
       </p:sp>
@@ -9668,7 +9608,37 @@
               <a:rPr lang="zh-CN" altLang="en-US" sz="3200" b="1" dirty="0">
                 <a:latin typeface="+mn-lt"/>
               </a:rPr>
-              <a:t>常见的包括：模块测试、集成测试、系统测试等等</a:t>
+              <a:t>常见的</a:t>
+            </a:r>
+            <a:r>
+              <a:rPr lang="zh-CN" altLang="en-US" sz="3200" b="1">
+                <a:latin typeface="+mn-lt"/>
+              </a:rPr>
+              <a:t>包括</a:t>
+            </a:r>
+            <a:r>
+              <a:rPr lang="zh-CN" altLang="en-US" sz="3200" b="1" smtClean="0">
+                <a:latin typeface="+mn-lt"/>
+              </a:rPr>
+              <a:t>：</a:t>
+            </a:r>
+            <a:r>
+              <a:rPr lang="zh-CN" altLang="en-US" sz="3200" b="1">
+                <a:latin typeface="+mn-lt"/>
+              </a:rPr>
+              <a:t>单元</a:t>
+            </a:r>
+            <a:r>
+              <a:rPr lang="zh-CN" altLang="en-US" sz="3200" b="1" smtClean="0">
+                <a:latin typeface="+mn-lt"/>
+              </a:rPr>
+              <a:t>测试</a:t>
+            </a:r>
+            <a:r>
+              <a:rPr lang="zh-CN" altLang="en-US" sz="3200" b="1" dirty="0">
+                <a:latin typeface="+mn-lt"/>
+              </a:rPr>
+              <a:t>、集成测试、系统测试等等</a:t>
             </a:r>
             <a:endParaRPr lang="en-US" altLang="zh-CN" sz="3200" b="1" dirty="0">
               <a:latin typeface="+mn-lt"/>
@@ -9704,10 +9674,6 @@
               </a:rPr>
               <a:t>测试计划</a:t>
             </a:r>
-            <a:endParaRPr lang="zh-CN" altLang="en-US" b="1" dirty="0">
-              <a:latin typeface="黑体" pitchFamily="49" charset="-122"/>
-              <a:ea typeface="黑体" pitchFamily="49" charset="-122"/>
-            </a:endParaRPr>
           </a:p>
         </p:txBody>
       </p:sp>
@@ -9816,9 +9782,6 @@
               </a:rPr>
               <a:t>包含人力资源和软硬件资源</a:t>
             </a:r>
-            <a:endParaRPr lang="zh-CN" altLang="en-US" sz="3200" b="1" dirty="0">
-              <a:latin typeface="+mn-lt"/>
-            </a:endParaRPr>
           </a:p>
         </p:txBody>
       </p:sp>
@@ -9846,10 +9809,6 @@
               </a:rPr>
               <a:t>测试计划</a:t>
             </a:r>
-            <a:endParaRPr lang="zh-CN" altLang="en-US" b="1" dirty="0">
-              <a:latin typeface="黑体" pitchFamily="49" charset="-122"/>
-              <a:ea typeface="黑体" pitchFamily="49" charset="-122"/>
-            </a:endParaRPr>
           </a:p>
         </p:txBody>
       </p:sp>
@@ -9944,9 +9903,51 @@
               <a:rPr lang="zh-CN" altLang="en-US" sz="3400" b="1" dirty="0">
                 <a:latin typeface="+mn-lt"/>
               </a:rPr>
-              <a:t>写出测试过程中可能的风险和依赖</a:t>
-            </a:r>
-            <a:endParaRPr lang="zh-CN" altLang="en-US" sz="3400" b="1" dirty="0">
+              <a:t>写出测试过程中可能的风险和</a:t>
+            </a:r>
+            <a:r>
+              <a:rPr lang="zh-CN" altLang="en-US" sz="3400" b="1" dirty="0" smtClean="0">
+                <a:latin typeface="+mn-lt"/>
+              </a:rPr>
+              <a:t>依赖</a:t>
+            </a:r>
+            <a:endParaRPr lang="en-US" altLang="zh-CN" sz="3400" b="1" dirty="0" smtClean="0">
+              <a:latin typeface="+mn-lt"/>
+            </a:endParaRPr>
+          </a:p>
+          <a:p>
+            <a:pPr lvl="1"/>
+            <a:r>
+              <a:rPr lang="zh-CN" altLang="en-US" b="1" dirty="0" smtClean="0">
+                <a:latin typeface="+mn-lt"/>
+              </a:rPr>
+              <a:t>技术难点（专人做专职的事情）</a:t>
+            </a:r>
+            <a:endParaRPr lang="en-US" altLang="zh-CN" b="1" dirty="0" smtClean="0">
+              <a:latin typeface="+mn-lt"/>
+            </a:endParaRPr>
+          </a:p>
+          <a:p>
+            <a:pPr lvl="1"/>
+            <a:r>
+              <a:rPr lang="zh-CN" altLang="en-US" b="1" dirty="0" smtClean="0">
+                <a:latin typeface="+mn-lt"/>
+              </a:rPr>
+              <a:t>人员水平单一，人员离职（招人，培训）</a:t>
+            </a:r>
+            <a:endParaRPr lang="en-US" altLang="zh-CN" b="1" dirty="0" smtClean="0">
+              <a:latin typeface="+mn-lt"/>
+            </a:endParaRPr>
+          </a:p>
+          <a:p>
+            <a:pPr lvl="1"/>
+            <a:r>
+              <a:rPr lang="zh-CN" altLang="en-US" b="1" dirty="0" smtClean="0">
+                <a:latin typeface="+mn-lt"/>
+              </a:rPr>
+              <a:t>需求变更（项目版本控制）</a:t>
+            </a:r>
+            <a:endParaRPr lang="zh-CN" altLang="en-US" b="1" dirty="0">
               <a:latin typeface="+mn-lt"/>
             </a:endParaRPr>
           </a:p>
@@ -9981,10 +9982,6 @@
               </a:rPr>
               <a:t>测试计划</a:t>
             </a:r>
-            <a:endParaRPr lang="zh-CN" altLang="en-US" b="1" dirty="0">
-              <a:latin typeface="黑体" pitchFamily="49" charset="-122"/>
-              <a:ea typeface="黑体" pitchFamily="49" charset="-122"/>
-            </a:endParaRPr>
           </a:p>
         </p:txBody>
       </p:sp>
@@ -10004,8 +10001,8 @@
         </p:blipFill>
         <p:spPr>
           <a:xfrm>
-            <a:off x="5306217" y="2852936"/>
-            <a:ext cx="3365598" cy="3284985"/>
+            <a:off x="5940152" y="3933056"/>
+            <a:ext cx="2849173" cy="2780929"/>
           </a:xfrm>
           <a:prstGeom prst="rect">
             <a:avLst/>
@@ -10081,9 +10078,6 @@
               </a:rPr>
               <a:t>写出你将如何测试以及测试完成后会有哪些可交付成果</a:t>
             </a:r>
-            <a:endParaRPr lang="zh-CN" altLang="en-US" sz="3400" b="1" dirty="0">
-              <a:latin typeface="+mn-lt"/>
-            </a:endParaRPr>
           </a:p>
         </p:txBody>
       </p:sp>
@@ -10116,10 +10110,6 @@
               </a:rPr>
               <a:t>测试计划</a:t>
             </a:r>
-            <a:endParaRPr lang="zh-CN" altLang="en-US" b="1" dirty="0">
-              <a:latin typeface="黑体" pitchFamily="49" charset="-122"/>
-              <a:ea typeface="黑体" pitchFamily="49" charset="-122"/>
-            </a:endParaRPr>
           </a:p>
         </p:txBody>
       </p:sp>
